--- a/LF.pptx
+++ b/LF.pptx
@@ -31,9 +31,6 @@
   </p:sldIdLst>
   <p:sldSz cx="12192000" cy="6858000"/>
   <p:notesSz cx="6858000" cy="9144000"/>
-  <p:custDataLst>
-    <p:tags r:id="rId25"/>
-  </p:custDataLst>
   <p:defaultTextStyle>
     <a:defPPr>
       <a:defRPr lang="zh-CN"/>
@@ -7010,11 +7007,7 @@
           <a:p>
             <a:r>
               <a:rPr lang="zh-CN" altLang="en-US"/>
-              <a:t>具体训练过程代码</a:t>
-            </a:r>
-            <a:r>
-              <a:rPr lang="zh-CN" altLang="en-US"/>
-              <a:t>中其实是：</a:t>
+              <a:t>具体训练过程代码中其实是：</a:t>
             </a:r>
             <a:endParaRPr lang="zh-CN" altLang="en-US"/>
           </a:p>
@@ -7182,11 +7175,7 @@
             </a:r>
             <a:r>
               <a:rPr lang="zh-CN" altLang="en-US"/>
-              <a:t>减小但这不是我们想要的</a:t>
-            </a:r>
-            <a:r>
-              <a:rPr lang="zh-CN" altLang="en-US"/>
-              <a:t>）</a:t>
+              <a:t>减小但这不是我们想要的）</a:t>
             </a:r>
             <a:endParaRPr lang="zh-CN" altLang="en-US"/>
           </a:p>
@@ -7669,11 +7658,7 @@
           <a:p>
             <a:r>
               <a:rPr lang="zh-CN" altLang="en-US"/>
-              <a:t>这个就很容易理解了，目的就是让同属一个特征点的</a:t>
-            </a:r>
-            <a:r>
-              <a:rPr lang="zh-CN" altLang="en-US"/>
-              <a:t>尺度角度信息尽可能一样</a:t>
+              <a:t>这个就很容易理解了，目的就是让同属一个特征点的尺度角度信息尽可能一样</a:t>
             </a:r>
             <a:endParaRPr lang="zh-CN" altLang="en-US"/>
           </a:p>
@@ -8217,7 +8202,6 @@
             </a:r>
             <a:r>
               <a:rPr lang="en-US" altLang="zh-CN" sz="3600" u="sng">
-                <a:ln/>
                 <a:solidFill>
                   <a:schemeClr val="tx1"/>
                 </a:solidFill>
@@ -8234,7 +8218,6 @@
               <a:t>Detector</a:t>
             </a:r>
             <a:endParaRPr lang="en-US" altLang="zh-CN" sz="3600" u="sng">
-              <a:ln/>
               <a:solidFill>
                 <a:schemeClr val="tx1"/>
               </a:solidFill>
@@ -8334,11 +8317,7 @@
             </a:r>
             <a:r>
               <a:rPr lang="en-US" altLang="zh-CN"/>
-              <a:t>feature </a:t>
-            </a:r>
-            <a:r>
-              <a:rPr lang="en-US" altLang="zh-CN"/>
-              <a:t>map (</a:t>
+              <a:t>feature map (</a:t>
             </a:r>
             <a:r>
               <a:rPr lang="zh-CN" altLang="en-US"/>
@@ -10930,7 +10909,7 @@
         </p:nvSpPr>
         <p:spPr>
           <a:xfrm>
-            <a:off x="448945" y="1029335"/>
+            <a:off x="1873250" y="3359785"/>
             <a:ext cx="9967595" cy="953135"/>
           </a:xfrm>
           <a:prstGeom prst="rect">
@@ -10953,7 +10932,19 @@
               <a:rPr lang="en-US" altLang="zh-CN" sz="2800">
                 <a:sym typeface="+mn-ea"/>
               </a:rPr>
-              <a:t>argmax </a:t>
+              <a:t>argmax</a:t>
+            </a:r>
+            <a:r>
+              <a:rPr lang="zh-CN" altLang="en-US" sz="2800">
+                <a:sym typeface="+mn-ea"/>
+              </a:rPr>
+              <a:t>？</a:t>
+            </a:r>
+            <a:r>
+              <a:rPr lang="en-US" altLang="zh-CN" sz="2800">
+                <a:sym typeface="+mn-ea"/>
+              </a:rPr>
+              <a:t> </a:t>
             </a:r>
             <a:r>
               <a:rPr lang="zh-CN" altLang="en-US" sz="2800">
@@ -10975,8 +10966,8 @@
         </p:nvSpPr>
         <p:spPr>
           <a:xfrm>
-            <a:off x="328930" y="1470660"/>
-            <a:ext cx="9777730" cy="5354320"/>
+            <a:off x="339725" y="1669415"/>
+            <a:ext cx="11511915" cy="5077460"/>
           </a:xfrm>
           <a:prstGeom prst="rect">
             <a:avLst/>
@@ -11094,6 +11085,41 @@
               <a:t>    return probs</a:t>
             </a:r>
             <a:endParaRPr lang="zh-CN" altLang="en-US"/>
+          </a:p>
+        </p:txBody>
+      </p:sp>
+      <p:sp>
+        <p:nvSpPr>
+          <p:cNvPr id="4" name="文本框 3"/>
+          <p:cNvSpPr txBox="1"/>
+          <p:nvPr/>
+        </p:nvSpPr>
+        <p:spPr>
+          <a:xfrm>
+            <a:off x="139065" y="948690"/>
+            <a:ext cx="9967595" cy="521970"/>
+          </a:xfrm>
+          <a:prstGeom prst="rect">
+            <a:avLst/>
+          </a:prstGeom>
+          <a:noFill/>
+        </p:spPr>
+        <p:txBody>
+          <a:bodyPr wrap="square" rtlCol="0">
+            <a:spAutoFit/>
+          </a:bodyPr>
+          <a:p>
+            <a:r>
+              <a:rPr lang="zh-CN" altLang="en-US" sz="2800">
+                <a:sym typeface="+mn-ea"/>
+              </a:rPr>
+              <a:t>soft_nms_3d</a:t>
+            </a:r>
+            <a:endParaRPr lang="zh-CN" altLang="en-US" sz="2800">
+              <a:latin typeface="Times New Roman" panose="02020603050405020304" charset="0"/>
+              <a:cs typeface="Times New Roman" panose="02020603050405020304" charset="0"/>
+              <a:sym typeface="+mn-ea"/>
+            </a:endParaRPr>
           </a:p>
         </p:txBody>
       </p:sp>
@@ -11219,12 +11245,14 @@
           <a:p>
             <a:r>
               <a:rPr lang="zh-CN" altLang="en-US" sz="2800">
+                <a:latin typeface="+mn-ea"/>
+                <a:cs typeface="Times New Roman" panose="02020603050405020304" charset="0"/>
                 <a:sym typeface="+mn-ea"/>
               </a:rPr>
-              <a:t>soft_nms_3d</a:t>
+              <a:t>soft_max_and_argmax_1d</a:t>
             </a:r>
             <a:endParaRPr lang="zh-CN" altLang="en-US" sz="2800">
-              <a:latin typeface="Times New Roman" panose="02020603050405020304" charset="0"/>
+              <a:latin typeface="+mn-ea"/>
               <a:cs typeface="Times New Roman" panose="02020603050405020304" charset="0"/>
               <a:sym typeface="+mn-ea"/>
             </a:endParaRPr>
@@ -11233,14 +11261,14 @@
       </p:sp>
       <p:sp>
         <p:nvSpPr>
-          <p:cNvPr id="3" name="文本框 2"/>
+          <p:cNvPr id="4" name="文本框 3"/>
           <p:cNvSpPr txBox="1"/>
           <p:nvPr/>
         </p:nvSpPr>
         <p:spPr>
           <a:xfrm>
-            <a:off x="328930" y="1470660"/>
-            <a:ext cx="9777730" cy="5354320"/>
+            <a:off x="315595" y="1724660"/>
+            <a:ext cx="11560810" cy="4184650"/>
           </a:xfrm>
           <a:prstGeom prst="rect">
             <a:avLst/>
@@ -11253,117 +11281,351 @@
           </a:bodyPr>
           <a:p>
             <a:r>
-              <a:rPr lang="zh-CN" altLang="en-US"/>
-              <a:t>def soft_nms_3d(scale_logits, ksize, com_strength=1.0):</a:t>
-            </a:r>
-            <a:endParaRPr lang="zh-CN" altLang="en-US"/>
-          </a:p>
-          <a:p>
-            <a:r>
-              <a:rPr lang="zh-CN" altLang="en-US"/>
-              <a:t>    num_scales =scale_logits.shape[1]</a:t>
-            </a:r>
-            <a:endParaRPr lang="zh-CN" altLang="en-US"/>
-          </a:p>
-          <a:p>
-            <a:r>
-              <a:rPr lang="zh-CN" altLang="en-US"/>
-              <a:t>    </a:t>
-            </a:r>
-            <a:endParaRPr lang="zh-CN" altLang="en-US"/>
-          </a:p>
-          <a:p>
-            <a:r>
-              <a:rPr lang="zh-CN" altLang="en-US"/>
-              <a:t>    scale_logits_d=scale_logits[...,None].permute(0,4,1,2,3) # [B,S,H,W,1] in order to apply pool3d</a:t>
-            </a:r>
-            <a:endParaRPr lang="zh-CN" altLang="en-US"/>
-          </a:p>
-          <a:p>
-            <a:r>
-              <a:rPr lang="zh-CN" altLang="en-US"/>
-              <a:t>    maxpool3d=torch.nn.MaxPool3d((num_scales, ksize, ksize),stride=(num_scales, 1, 1),padding=(0,(ksize-1)//2,(ksize-1)//2),dilation=1)</a:t>
-            </a:r>
-            <a:endParaRPr lang="zh-CN" altLang="en-US"/>
-          </a:p>
-          <a:p>
-            <a:r>
-              <a:rPr lang="zh-CN" altLang="en-US"/>
-              <a:t>    max_maps=maxpool3d(scale_logits_d)</a:t>
-            </a:r>
-            <a:endParaRPr lang="zh-CN" altLang="en-US"/>
-          </a:p>
-          <a:p>
-            <a:r>
-              <a:rPr lang="zh-CN" altLang="en-US"/>
-              <a:t>    max_maps = max_maps.squeeze(1) # (B,C,S,H,W) -&gt; [B,S,H,W]</a:t>
-            </a:r>
-            <a:endParaRPr lang="zh-CN" altLang="en-US"/>
-          </a:p>
-          <a:p>
-            <a:r>
-              <a:rPr lang="zh-CN" altLang="en-US"/>
-              <a:t>    exp_maps = torch.exp(com_strength * (scale_logits-max_maps))</a:t>
-            </a:r>
-            <a:endParaRPr lang="zh-CN" altLang="en-US"/>
-          </a:p>
-          <a:p>
-            <a:r>
-              <a:rPr lang="zh-CN" altLang="en-US"/>
-              <a:t>    </a:t>
-            </a:r>
-            <a:endParaRPr lang="zh-CN" altLang="en-US"/>
-          </a:p>
-          <a:p>
-            <a:r>
-              <a:rPr lang="zh-CN" altLang="en-US"/>
-              <a:t>    exp_maps_d=exp_maps[...,None].permute(0,4,1,2,3)</a:t>
-            </a:r>
-            <a:endParaRPr lang="zh-CN" altLang="en-US"/>
-          </a:p>
-          <a:p>
-            <a:r>
-              <a:rPr lang="zh-CN" altLang="en-US"/>
-              <a:t>    conv3d=torch.nn.Conv3d(1, 1, (num_scales,ksize,ksize), stride=(num_scales, 1, 1), padding=(0,(ksize-1)//2,(ksize-1)//2), dilation=1,  bias=False)</a:t>
-            </a:r>
-            <a:endParaRPr lang="zh-CN" altLang="en-US"/>
-          </a:p>
-          <a:p>
-            <a:r>
-              <a:rPr lang="zh-CN" altLang="en-US"/>
-              <a:t>    sum_ex=conv3d(exp_maps_d)</a:t>
-            </a:r>
-            <a:endParaRPr lang="zh-CN" altLang="en-US"/>
-          </a:p>
-          <a:p>
-            <a:r>
-              <a:rPr lang="zh-CN" altLang="en-US"/>
-              <a:t>    sum_ex = sum_ex.squeeze(1)</a:t>
-            </a:r>
-            <a:endParaRPr lang="zh-CN" altLang="en-US"/>
-          </a:p>
-          <a:p>
-            <a:r>
-              <a:rPr lang="zh-CN" altLang="en-US"/>
-              <a:t>    probs = exp_maps / (sum_ex + 1e-6)  </a:t>
-            </a:r>
-            <a:endParaRPr lang="zh-CN" altLang="en-US"/>
-          </a:p>
-          <a:p>
-            <a:endParaRPr lang="zh-CN" altLang="en-US"/>
-          </a:p>
-          <a:p>
-            <a:r>
-              <a:rPr lang="zh-CN" altLang="en-US"/>
-              <a:t>    return probs</a:t>
-            </a:r>
-            <a:endParaRPr lang="zh-CN" altLang="en-US"/>
-          </a:p>
-        </p:txBody>
-      </p:sp>
+              <a:rPr lang="zh-CN" altLang="en-US" sz="1400">
+                <a:latin typeface="Times New Roman" panose="02020603050405020304" charset="0"/>
+                <a:cs typeface="Times New Roman" panose="02020603050405020304" charset="0"/>
+              </a:rPr>
+              <a:t>def soft_max_and_argmax_1d(inputs, axis=-1, inputs_index=None, keep_dims=False, com_strength1=250.0, com_strength2=250.0):</a:t>
+            </a:r>
+            <a:endParaRPr lang="zh-CN" altLang="en-US" sz="1400">
+              <a:latin typeface="Times New Roman" panose="02020603050405020304" charset="0"/>
+              <a:cs typeface="Times New Roman" panose="02020603050405020304" charset="0"/>
+            </a:endParaRPr>
+          </a:p>
+          <a:p>
+            <a:endParaRPr lang="zh-CN" altLang="en-US" sz="1400">
+              <a:latin typeface="Times New Roman" panose="02020603050405020304" charset="0"/>
+              <a:cs typeface="Times New Roman" panose="02020603050405020304" charset="0"/>
+            </a:endParaRPr>
+          </a:p>
+          <a:p>
+            <a:r>
+              <a:rPr lang="zh-CN" altLang="en-US" sz="1400">
+                <a:latin typeface="Times New Roman" panose="02020603050405020304" charset="0"/>
+                <a:cs typeface="Times New Roman" panose="02020603050405020304" charset="0"/>
+              </a:rPr>
+              <a:t>    # Safe softmax</a:t>
+            </a:r>
+            <a:endParaRPr lang="zh-CN" altLang="en-US" sz="1400">
+              <a:latin typeface="Times New Roman" panose="02020603050405020304" charset="0"/>
+              <a:cs typeface="Times New Roman" panose="02020603050405020304" charset="0"/>
+            </a:endParaRPr>
+          </a:p>
+          <a:p>
+            <a:r>
+              <a:rPr lang="zh-CN" altLang="en-US" sz="1400">
+                <a:latin typeface="Times New Roman" panose="02020603050405020304" charset="0"/>
+                <a:cs typeface="Times New Roman" panose="02020603050405020304" charset="0"/>
+              </a:rPr>
+              <a:t>    inputs_exp1 = tf.exp(com_strength1*(inputs - tf.reduce_max(inputs, axis=axis, keep_dims=True)))</a:t>
+            </a:r>
+            <a:endParaRPr lang="zh-CN" altLang="en-US" sz="1400">
+              <a:latin typeface="Times New Roman" panose="02020603050405020304" charset="0"/>
+              <a:cs typeface="Times New Roman" panose="02020603050405020304" charset="0"/>
+            </a:endParaRPr>
+          </a:p>
+          <a:p>
+            <a:r>
+              <a:rPr lang="zh-CN" altLang="en-US" sz="1400">
+                <a:latin typeface="Times New Roman" panose="02020603050405020304" charset="0"/>
+                <a:cs typeface="Times New Roman" panose="02020603050405020304" charset="0"/>
+              </a:rPr>
+              <a:t>    inputs_softmax1 = inputs_exp1 / (tf.reduce_sum(inputs_exp1, axis=axis, keep_dims=True) + 1e-8)</a:t>
+            </a:r>
+            <a:endParaRPr lang="zh-CN" altLang="en-US" sz="1400">
+              <a:latin typeface="Times New Roman" panose="02020603050405020304" charset="0"/>
+              <a:cs typeface="Times New Roman" panose="02020603050405020304" charset="0"/>
+            </a:endParaRPr>
+          </a:p>
+          <a:p>
+            <a:endParaRPr lang="zh-CN" altLang="en-US" sz="1400">
+              <a:latin typeface="Times New Roman" panose="02020603050405020304" charset="0"/>
+              <a:cs typeface="Times New Roman" panose="02020603050405020304" charset="0"/>
+            </a:endParaRPr>
+          </a:p>
+          <a:p>
+            <a:r>
+              <a:rPr lang="zh-CN" altLang="en-US" sz="1400">
+                <a:latin typeface="Times New Roman" panose="02020603050405020304" charset="0"/>
+                <a:cs typeface="Times New Roman" panose="02020603050405020304" charset="0"/>
+              </a:rPr>
+              <a:t>    inputs_exp2 = tf.exp(com_strength2*(inputs - tf.reduce_max(inputs, axis=axis, keep_dims=True)))</a:t>
+            </a:r>
+            <a:endParaRPr lang="zh-CN" altLang="en-US" sz="1400">
+              <a:latin typeface="Times New Roman" panose="02020603050405020304" charset="0"/>
+              <a:cs typeface="Times New Roman" panose="02020603050405020304" charset="0"/>
+            </a:endParaRPr>
+          </a:p>
+          <a:p>
+            <a:r>
+              <a:rPr lang="zh-CN" altLang="en-US" sz="1400">
+                <a:latin typeface="Times New Roman" panose="02020603050405020304" charset="0"/>
+                <a:cs typeface="Times New Roman" panose="02020603050405020304" charset="0"/>
+              </a:rPr>
+              <a:t>    inputs_softmax2 = inputs_exp2 / (tf.reduce_sum(inputs_exp2, axis=axis, keep_dims=True) + 1e-8)</a:t>
+            </a:r>
+            <a:endParaRPr lang="zh-CN" altLang="en-US" sz="1400">
+              <a:latin typeface="Times New Roman" panose="02020603050405020304" charset="0"/>
+              <a:cs typeface="Times New Roman" panose="02020603050405020304" charset="0"/>
+            </a:endParaRPr>
+          </a:p>
+          <a:p>
+            <a:endParaRPr lang="zh-CN" altLang="en-US" sz="1400">
+              <a:latin typeface="Times New Roman" panose="02020603050405020304" charset="0"/>
+              <a:cs typeface="Times New Roman" panose="02020603050405020304" charset="0"/>
+            </a:endParaRPr>
+          </a:p>
+          <a:p>
+            <a:r>
+              <a:rPr lang="zh-CN" altLang="en-US" sz="1400">
+                <a:latin typeface="Times New Roman" panose="02020603050405020304" charset="0"/>
+                <a:cs typeface="Times New Roman" panose="02020603050405020304" charset="0"/>
+              </a:rPr>
+              <a:t>   </a:t>
+            </a:r>
+            <a:r>
+              <a:rPr lang="zh-CN" altLang="en-US" sz="1400">
+                <a:solidFill>
+                  <a:srgbClr val="FF0000"/>
+                </a:solidFill>
+                <a:latin typeface="Times New Roman" panose="02020603050405020304" charset="0"/>
+                <a:cs typeface="Times New Roman" panose="02020603050405020304" charset="0"/>
+              </a:rPr>
+              <a:t> inputs_max = tf.reduce_sum(inputs * inputs_softmax1, axis=axis, keep_dims=keep_dims)</a:t>
+            </a:r>
+            <a:endParaRPr lang="zh-CN" altLang="en-US" sz="1400">
+              <a:solidFill>
+                <a:srgbClr val="FF0000"/>
+              </a:solidFill>
+              <a:latin typeface="Times New Roman" panose="02020603050405020304" charset="0"/>
+              <a:cs typeface="Times New Roman" panose="02020603050405020304" charset="0"/>
+            </a:endParaRPr>
+          </a:p>
+          <a:p>
+            <a:endParaRPr lang="zh-CN" altLang="en-US" sz="1400">
+              <a:solidFill>
+                <a:srgbClr val="FF0000"/>
+              </a:solidFill>
+              <a:latin typeface="Times New Roman" panose="02020603050405020304" charset="0"/>
+              <a:cs typeface="Times New Roman" panose="02020603050405020304" charset="0"/>
+            </a:endParaRPr>
+          </a:p>
+          <a:p>
+            <a:r>
+              <a:rPr lang="zh-CN" altLang="en-US" sz="1400">
+                <a:latin typeface="Times New Roman" panose="02020603050405020304" charset="0"/>
+                <a:cs typeface="Times New Roman" panose="02020603050405020304" charset="0"/>
+              </a:rPr>
+              <a:t>    inputs_index_shp = [1,]*len(inputs.get_shape())</a:t>
+            </a:r>
+            <a:endParaRPr lang="zh-CN" altLang="en-US" sz="1400">
+              <a:latin typeface="Times New Roman" panose="02020603050405020304" charset="0"/>
+              <a:cs typeface="Times New Roman" panose="02020603050405020304" charset="0"/>
+            </a:endParaRPr>
+          </a:p>
+          <a:p>
+            <a:r>
+              <a:rPr lang="zh-CN" altLang="en-US" sz="1400">
+                <a:latin typeface="Times New Roman" panose="02020603050405020304" charset="0"/>
+                <a:cs typeface="Times New Roman" panose="02020603050405020304" charset="0"/>
+              </a:rPr>
+              <a:t>    inputs_index_shp[axis] = -1</a:t>
+            </a:r>
+            <a:endParaRPr lang="zh-CN" altLang="en-US" sz="1400">
+              <a:latin typeface="Times New Roman" panose="02020603050405020304" charset="0"/>
+              <a:cs typeface="Times New Roman" panose="02020603050405020304" charset="0"/>
+            </a:endParaRPr>
+          </a:p>
+          <a:p>
+            <a:r>
+              <a:rPr lang="zh-CN" altLang="en-US" sz="1400">
+                <a:latin typeface="Times New Roman" panose="02020603050405020304" charset="0"/>
+                <a:cs typeface="Times New Roman" panose="02020603050405020304" charset="0"/>
+              </a:rPr>
+              <a:t>    if inputs_index is None:</a:t>
+            </a:r>
+            <a:endParaRPr lang="zh-CN" altLang="en-US" sz="1400">
+              <a:latin typeface="Times New Roman" panose="02020603050405020304" charset="0"/>
+              <a:cs typeface="Times New Roman" panose="02020603050405020304" charset="0"/>
+            </a:endParaRPr>
+          </a:p>
+          <a:p>
+            <a:r>
+              <a:rPr lang="zh-CN" altLang="en-US" sz="1400">
+                <a:latin typeface="Times New Roman" panose="02020603050405020304" charset="0"/>
+                <a:cs typeface="Times New Roman" panose="02020603050405020304" charset="0"/>
+              </a:rPr>
+              <a:t>        inputs_index = tf.range(inputs.get_shape().as_list()[axis], dtype=inputs.dtype) # use 0,1,2,..,inputs.shape[axis]-1</a:t>
+            </a:r>
+            <a:endParaRPr lang="zh-CN" altLang="en-US" sz="1400">
+              <a:latin typeface="Times New Roman" panose="02020603050405020304" charset="0"/>
+              <a:cs typeface="Times New Roman" panose="02020603050405020304" charset="0"/>
+            </a:endParaRPr>
+          </a:p>
+          <a:p>
+            <a:r>
+              <a:rPr lang="zh-CN" altLang="en-US" sz="1400">
+                <a:latin typeface="Times New Roman" panose="02020603050405020304" charset="0"/>
+                <a:cs typeface="Times New Roman" panose="02020603050405020304" charset="0"/>
+              </a:rPr>
+              <a:t>    inputs_index = tf.reshape(inputs_index, inputs_index_shp)</a:t>
+            </a:r>
+            <a:endParaRPr lang="zh-CN" altLang="en-US" sz="1400">
+              <a:latin typeface="Times New Roman" panose="02020603050405020304" charset="0"/>
+              <a:cs typeface="Times New Roman" panose="02020603050405020304" charset="0"/>
+            </a:endParaRPr>
+          </a:p>
+          <a:p>
+            <a:r>
+              <a:rPr lang="zh-CN" altLang="en-US" sz="1400">
+                <a:latin typeface="Times New Roman" panose="02020603050405020304" charset="0"/>
+                <a:cs typeface="Times New Roman" panose="02020603050405020304" charset="0"/>
+              </a:rPr>
+              <a:t>    inputs_amax = tf.reduce_sum(inputs_index * inputs_softmax2, axis=axis, keep_dims=keep_dims)</a:t>
+            </a:r>
+            <a:endParaRPr lang="zh-CN" altLang="en-US" sz="1400">
+              <a:latin typeface="Times New Roman" panose="02020603050405020304" charset="0"/>
+              <a:cs typeface="Times New Roman" panose="02020603050405020304" charset="0"/>
+            </a:endParaRPr>
+          </a:p>
+          <a:p>
+            <a:endParaRPr lang="zh-CN" altLang="en-US" sz="1400">
+              <a:latin typeface="Times New Roman" panose="02020603050405020304" charset="0"/>
+              <a:cs typeface="Times New Roman" panose="02020603050405020304" charset="0"/>
+            </a:endParaRPr>
+          </a:p>
+          <a:p>
+            <a:r>
+              <a:rPr lang="zh-CN" altLang="en-US" sz="1400">
+                <a:latin typeface="Times New Roman" panose="02020603050405020304" charset="0"/>
+                <a:cs typeface="Times New Roman" panose="02020603050405020304" charset="0"/>
+              </a:rPr>
+              <a:t>    return inputs_max, inputs_amax</a:t>
+            </a:r>
+            <a:endParaRPr lang="zh-CN" altLang="en-US" sz="1400">
+              <a:latin typeface="Times New Roman" panose="02020603050405020304" charset="0"/>
+              <a:cs typeface="Times New Roman" panose="02020603050405020304" charset="0"/>
+            </a:endParaRPr>
+          </a:p>
+        </p:txBody>
+      </p:sp>
+      <p:graphicFrame>
+        <p:nvGraphicFramePr>
+          <p:cNvPr id="6" name="对象 5">
+            <a:hlinkClick r:id="" action="ppaction://ole?verb="/>
+          </p:cNvPr>
+          <p:cNvGraphicFramePr>
+            <a:graphicFrameLocks noChangeAspect="1"/>
+          </p:cNvGraphicFramePr>
+          <p:nvPr/>
+        </p:nvGraphicFramePr>
+        <p:xfrm>
+          <a:off x="7503160" y="3295650"/>
+          <a:ext cx="4207510" cy="1043305"/>
+        </p:xfrm>
+        <a:graphic>
+          <a:graphicData uri="http://schemas.openxmlformats.org/presentationml/2006/ole">
+            <mc:AlternateContent xmlns:mc="http://schemas.openxmlformats.org/markup-compatibility/2006">
+              <mc:Choice xmlns:v="urn:schemas-microsoft-com:vml" Requires="v">
+                <p:oleObj spid="_x0000_s1025" name="" r:id="rId2" imgW="1536700" imgH="381000" progId="Equation.KSEE3">
+                  <p:embed/>
+                </p:oleObj>
+              </mc:Choice>
+              <mc:Fallback>
+                <p:oleObj name="" r:id="rId2" imgW="1536700" imgH="381000" progId="Equation.KSEE3">
+                  <p:embed/>
+                  <p:pic>
+                    <p:nvPicPr>
+                      <p:cNvPr id="0" name="图片 1024"/>
+                      <p:cNvPicPr/>
+                      <p:nvPr/>
+                    </p:nvPicPr>
+                    <p:blipFill>
+                      <a:blip r:embed="rId3"/>
+                      <a:stretch>
+                        <a:fillRect/>
+                      </a:stretch>
+                    </p:blipFill>
+                    <p:spPr>
+                      <a:xfrm>
+                        <a:off x="7503160" y="3295650"/>
+                        <a:ext cx="4207510" cy="1043305"/>
+                      </a:xfrm>
+                      <a:prstGeom prst="rect">
+                        <a:avLst/>
+                      </a:prstGeom>
+                    </p:spPr>
+                  </p:pic>
+                </p:oleObj>
+              </mc:Fallback>
+            </mc:AlternateContent>
+          </a:graphicData>
+        </a:graphic>
+      </p:graphicFrame>
+      <p:sp>
+        <p:nvSpPr>
+          <p:cNvPr id="7" name="文本框 6"/>
+          <p:cNvSpPr txBox="1"/>
+          <p:nvPr/>
+        </p:nvSpPr>
+        <p:spPr>
+          <a:xfrm>
+            <a:off x="3621405" y="2168525"/>
+            <a:ext cx="1557020" cy="521970"/>
+          </a:xfrm>
+          <a:prstGeom prst="rect">
+            <a:avLst/>
+          </a:prstGeom>
+          <a:noFill/>
+        </p:spPr>
+        <p:txBody>
+          <a:bodyPr wrap="square" rtlCol="0">
+            <a:spAutoFit/>
+          </a:bodyPr>
+          <a:p>
+            <a:r>
+              <a:rPr lang="en-US" altLang="zh-CN" sz="2800">
+                <a:solidFill>
+                  <a:srgbClr val="FF0000"/>
+                </a:solidFill>
+              </a:rPr>
+              <a:t>?</a:t>
+            </a:r>
+            <a:endParaRPr lang="en-US" altLang="zh-CN" sz="2800">
+              <a:solidFill>
+                <a:srgbClr val="FF0000"/>
+              </a:solidFill>
+            </a:endParaRPr>
+          </a:p>
+        </p:txBody>
+      </p:sp>
+      <p:pic>
+        <p:nvPicPr>
+          <p:cNvPr id="8" name="图片 7"/>
+          <p:cNvPicPr>
+            <a:picLocks noChangeAspect="1"/>
+          </p:cNvPicPr>
+          <p:nvPr/>
+        </p:nvPicPr>
+        <p:blipFill>
+          <a:blip r:embed="rId4"/>
+          <a:stretch>
+            <a:fillRect/>
+          </a:stretch>
+        </p:blipFill>
+        <p:spPr>
+          <a:xfrm>
+            <a:off x="7233285" y="5323840"/>
+            <a:ext cx="4132580" cy="881380"/>
+          </a:xfrm>
+          <a:prstGeom prst="rect">
+            <a:avLst/>
+          </a:prstGeom>
+        </p:spPr>
+      </p:pic>
     </p:spTree>
     <p:custDataLst>
-      <p:tags r:id="rId2"/>
+      <p:tags r:id="rId5"/>
     </p:custDataLst>
   </p:cSld>
   <p:clrMapOvr>
@@ -12185,6 +12447,7 @@
   <p:tag name="KSO_WM_TEMPLATE_INDEX" val="20187308"/>
   <p:tag name="KSO_WM_SLIDE_LAYOUT" val="a_b"/>
   <p:tag name="KSO_WM_SLIDE_LAYOUT_CNT" val="1_1"/>
+  <p:tag name="KSO_WM_SLIDE_MODEL_TYPE" val="cover"/>
 </p:tagLst>
 </file>
 
@@ -12743,12 +13006,6 @@
   <p:tag name="KSO_WM_TEMPLATE_INDEX" val="20187308"/>
   <p:tag name="KSO_WM_SLIDE_LAYOUT" val="a_b"/>
   <p:tag name="KSO_WM_SLIDE_LAYOUT_CNT" val="1_1"/>
-</p:tagLst>
-</file>
-
-<file path=ppt/tags/tag92.xml><?xml version="1.0" encoding="utf-8"?>
-<p:tagLst xmlns:p="http://schemas.openxmlformats.org/presentationml/2006/main">
-  <p:tag name="KSO_WM_DOC_GUID" val="{343e040d-e460-4773-aed6-dc6c7f93ab72}"/>
 </p:tagLst>
 </file>
 
